--- a/powerpoints/Day_9.pptx
+++ b/powerpoints/Day_9.pptx
@@ -5,10 +5,10 @@
     <p:sldMasterId id="2147483690" r:id="rId1"/>
   </p:sldMasterIdLst>
   <p:notesMasterIdLst>
-    <p:notesMasterId r:id="rId9"/>
+    <p:notesMasterId r:id="rId10"/>
   </p:notesMasterIdLst>
   <p:handoutMasterIdLst>
-    <p:handoutMasterId r:id="rId10"/>
+    <p:handoutMasterId r:id="rId11"/>
   </p:handoutMasterIdLst>
   <p:sldIdLst>
     <p:sldId id="256" r:id="rId2"/>
@@ -16,8 +16,9 @@
     <p:sldId id="259" r:id="rId4"/>
     <p:sldId id="260" r:id="rId5"/>
     <p:sldId id="262" r:id="rId6"/>
-    <p:sldId id="261" r:id="rId7"/>
-    <p:sldId id="258" r:id="rId8"/>
+    <p:sldId id="327" r:id="rId7"/>
+    <p:sldId id="337" r:id="rId8"/>
+    <p:sldId id="258" r:id="rId9"/>
   </p:sldIdLst>
   <p:sldSz cx="9144000" cy="6858000" type="screen4x3"/>
   <p:notesSz cx="7010400" cy="9296400"/>
@@ -469,7 +470,7 @@
           </a:lstStyle>
           <a:p>
             <a:fld id="{CA869C63-99CE-7C40-A7E9-3930C61B23AB}" type="datetimeFigureOut">
-              <a:t>3/26/2021</a:t>
+              <a:t>9/15/2021</a:t>
             </a:fld>
             <a:endParaRPr lang="en-US" dirty="0"/>
           </a:p>
@@ -634,7 +635,7 @@
           <a:p>
             <a:fld id="{E3E59D94-626A-4CE8-9932-5221A04BF234}" type="datetimeFigureOut">
               <a:rPr lang="en-US" smtClean="0"/>
-              <a:t>3/26/2021</a:t>
+              <a:t>9/15/2021</a:t>
             </a:fld>
             <a:endParaRPr lang="en-US" dirty="0"/>
           </a:p>
@@ -37952,6 +37953,565 @@
           <p:cNvPr id="2" name="Title 1">
             <a:extLst>
               <a:ext uri="{FF2B5EF4-FFF2-40B4-BE49-F238E27FC236}">
+                <a16:creationId xmlns:a16="http://schemas.microsoft.com/office/drawing/2014/main" id="{47003D79-07A0-457D-8B7E-8EF39553E276}"/>
+              </a:ext>
+            </a:extLst>
+          </p:cNvPr>
+          <p:cNvSpPr>
+            <a:spLocks noGrp="1"/>
+          </p:cNvSpPr>
+          <p:nvPr>
+            <p:ph type="title"/>
+          </p:nvPr>
+        </p:nvSpPr>
+        <p:spPr/>
+        <p:txBody>
+          <a:bodyPr/>
+          <a:lstStyle/>
+          <a:p>
+            <a:r>
+              <a:rPr lang="en-US" dirty="0"/>
+              <a:t>Scanner Class</a:t>
+            </a:r>
+          </a:p>
+        </p:txBody>
+      </p:sp>
+      <p:sp>
+        <p:nvSpPr>
+          <p:cNvPr id="3" name="Text Placeholder 2">
+            <a:extLst>
+              <a:ext uri="{FF2B5EF4-FFF2-40B4-BE49-F238E27FC236}">
+                <a16:creationId xmlns:a16="http://schemas.microsoft.com/office/drawing/2014/main" id="{3BBC2A58-D8BE-4ACE-BAA3-A38162AF215C}"/>
+              </a:ext>
+            </a:extLst>
+          </p:cNvPr>
+          <p:cNvSpPr>
+            <a:spLocks noGrp="1"/>
+          </p:cNvSpPr>
+          <p:nvPr>
+            <p:ph type="body" idx="1"/>
+          </p:nvPr>
+        </p:nvSpPr>
+        <p:spPr>
+          <a:xfrm>
+            <a:off x="380010" y="1481446"/>
+            <a:ext cx="8383980" cy="4882266"/>
+          </a:xfrm>
+        </p:spPr>
+        <p:txBody>
+          <a:bodyPr>
+            <a:normAutofit/>
+          </a:bodyPr>
+          <a:lstStyle/>
+          <a:p>
+            <a:r>
+              <a:rPr lang="en-US" dirty="0"/>
+              <a:t>The are many ways to collect user input in Java, we will focus on one method that is straightforward, the Scanner class.</a:t>
+            </a:r>
+          </a:p>
+          <a:p>
+            <a:pPr lvl="1"/>
+            <a:r>
+              <a:rPr lang="en-US" dirty="0"/>
+              <a:t>The Scanner class causes program execution to pause while the user provides input into the console. When the user presses </a:t>
+            </a:r>
+            <a:r>
+              <a:rPr lang="en-US" dirty="0">
+                <a:latin typeface="Courier New" panose="02070309020205020404" pitchFamily="49" charset="0"/>
+                <a:cs typeface="Courier New" panose="02070309020205020404" pitchFamily="49" charset="0"/>
+              </a:rPr>
+              <a:t>Enter/Return,</a:t>
+            </a:r>
+            <a:r>
+              <a:rPr lang="en-US" dirty="0"/>
+              <a:t>        the input is read and stored in a variable.</a:t>
+            </a:r>
+          </a:p>
+          <a:p>
+            <a:pPr lvl="1"/>
+            <a:r>
+              <a:rPr lang="en-US" dirty="0"/>
+              <a:t>Syntax:</a:t>
+            </a:r>
+          </a:p>
+          <a:p>
+            <a:pPr marL="1016000" lvl="2" indent="0">
+              <a:buNone/>
+            </a:pPr>
+            <a:r>
+              <a:rPr lang="en-US" dirty="0"/>
+              <a:t>Scanner </a:t>
+            </a:r>
+            <a:r>
+              <a:rPr lang="en-US" dirty="0" err="1"/>
+              <a:t>myScanner</a:t>
+            </a:r>
+            <a:r>
+              <a:rPr lang="en-US" dirty="0"/>
+              <a:t> = new Scanner(System.in);</a:t>
+            </a:r>
+          </a:p>
+          <a:p>
+            <a:pPr marL="1016000" lvl="2" indent="0">
+              <a:buNone/>
+            </a:pPr>
+            <a:r>
+              <a:rPr lang="en-US" dirty="0"/>
+              <a:t>String str = </a:t>
+            </a:r>
+            <a:r>
+              <a:rPr lang="en-US" dirty="0" err="1"/>
+              <a:t>myScanner.nextLine</a:t>
+            </a:r>
+            <a:r>
+              <a:rPr lang="en-US" dirty="0"/>
+              <a:t>(); // String input</a:t>
+            </a:r>
+          </a:p>
+          <a:p>
+            <a:pPr marL="1016000" lvl="2" indent="0">
+              <a:buNone/>
+            </a:pPr>
+            <a:r>
+              <a:rPr lang="en-US" dirty="0"/>
+              <a:t>int num = </a:t>
+            </a:r>
+            <a:r>
+              <a:rPr lang="en-US" dirty="0" err="1"/>
+              <a:t>myScanner.nextInt</a:t>
+            </a:r>
+            <a:r>
+              <a:rPr lang="en-US" dirty="0"/>
+              <a:t>(); // Integer input</a:t>
+            </a:r>
+          </a:p>
+        </p:txBody>
+      </p:sp>
+      <p:sp>
+        <p:nvSpPr>
+          <p:cNvPr id="4" name="Slide Number Placeholder 3">
+            <a:extLst>
+              <a:ext uri="{FF2B5EF4-FFF2-40B4-BE49-F238E27FC236}">
+                <a16:creationId xmlns:a16="http://schemas.microsoft.com/office/drawing/2014/main" id="{2B0B08D7-7D5A-40B8-8031-28125F51709B}"/>
+              </a:ext>
+            </a:extLst>
+          </p:cNvPr>
+          <p:cNvSpPr>
+            <a:spLocks noGrp="1"/>
+          </p:cNvSpPr>
+          <p:nvPr>
+            <p:ph type="sldNum" idx="12"/>
+          </p:nvPr>
+        </p:nvSpPr>
+        <p:spPr>
+          <a:xfrm>
+            <a:off x="8122757" y="6363712"/>
+            <a:ext cx="861671" cy="365125"/>
+          </a:xfrm>
+        </p:spPr>
+        <p:txBody>
+          <a:bodyPr/>
+          <a:lstStyle/>
+          <a:p>
+            <a:pPr marL="0" marR="0" lvl="0" indent="0" algn="r" defTabSz="914400" rtl="0" eaLnBrk="1" fontAlgn="auto" latinLnBrk="0" hangingPunct="1">
+              <a:lnSpc>
+                <a:spcPct val="100000"/>
+              </a:lnSpc>
+              <a:spcBef>
+                <a:spcPts val="0"/>
+              </a:spcBef>
+              <a:spcAft>
+                <a:spcPts val="0"/>
+              </a:spcAft>
+              <a:buClr>
+                <a:srgbClr val="000000"/>
+              </a:buClr>
+              <a:buSzTx/>
+              <a:buFont typeface="Arial"/>
+              <a:buNone/>
+              <a:tabLst/>
+              <a:defRPr/>
+            </a:pPr>
+            <a:fld id="{00000000-1234-1234-1234-123412341234}" type="slidenum">
+              <a:rPr kumimoji="0" lang="en-US" sz="1200" b="0" i="0" u="none" strike="noStrike" kern="0" cap="none" spc="0" normalizeH="0" baseline="0" noProof="0" smtClean="0">
+                <a:ln>
+                  <a:noFill/>
+                </a:ln>
+                <a:solidFill>
+                  <a:srgbClr val="A0A1A0"/>
+                </a:solidFill>
+                <a:effectLst/>
+                <a:uLnTx/>
+                <a:uFillTx/>
+                <a:latin typeface="Arial"/>
+                <a:cs typeface="Arial"/>
+                <a:sym typeface="Arial"/>
+              </a:rPr>
+              <a:pPr marL="0" marR="0" lvl="0" indent="0" algn="r" defTabSz="914400" rtl="0" eaLnBrk="1" fontAlgn="auto" latinLnBrk="0" hangingPunct="1">
+                <a:lnSpc>
+                  <a:spcPct val="100000"/>
+                </a:lnSpc>
+                <a:spcBef>
+                  <a:spcPts val="0"/>
+                </a:spcBef>
+                <a:spcAft>
+                  <a:spcPts val="0"/>
+                </a:spcAft>
+                <a:buClr>
+                  <a:srgbClr val="000000"/>
+                </a:buClr>
+                <a:buSzTx/>
+                <a:buFont typeface="Arial"/>
+                <a:buNone/>
+                <a:tabLst/>
+                <a:defRPr/>
+              </a:pPr>
+              <a:t>5</a:t>
+            </a:fld>
+            <a:endParaRPr kumimoji="0" lang="en-US" sz="1200" b="0" i="0" u="none" strike="noStrike" kern="0" cap="none" spc="0" normalizeH="0" baseline="0" noProof="0">
+              <a:ln>
+                <a:noFill/>
+              </a:ln>
+              <a:solidFill>
+                <a:srgbClr val="A0A1A0"/>
+              </a:solidFill>
+              <a:effectLst/>
+              <a:uLnTx/>
+              <a:uFillTx/>
+              <a:latin typeface="Arial"/>
+              <a:cs typeface="Arial"/>
+              <a:sym typeface="Arial"/>
+            </a:endParaRPr>
+          </a:p>
+        </p:txBody>
+      </p:sp>
+      <p:grpSp>
+        <p:nvGrpSpPr>
+          <p:cNvPr id="35" name="Group 34">
+            <a:extLst>
+              <a:ext uri="{FF2B5EF4-FFF2-40B4-BE49-F238E27FC236}">
+                <a16:creationId xmlns:a16="http://schemas.microsoft.com/office/drawing/2014/main" id="{0B241F78-387E-407A-A5D7-9D5797D66142}"/>
+              </a:ext>
+            </a:extLst>
+          </p:cNvPr>
+          <p:cNvGrpSpPr/>
+          <p:nvPr/>
+        </p:nvGrpSpPr>
+        <p:grpSpPr>
+          <a:xfrm>
+            <a:off x="5999075" y="3664686"/>
+            <a:ext cx="431083" cy="257893"/>
+            <a:chOff x="6042991" y="4465982"/>
+            <a:chExt cx="708858" cy="424070"/>
+          </a:xfrm>
+        </p:grpSpPr>
+        <p:cxnSp>
+          <p:nvCxnSpPr>
+            <p:cNvPr id="6" name="Connector: Elbow 5">
+              <a:extLst>
+                <a:ext uri="{FF2B5EF4-FFF2-40B4-BE49-F238E27FC236}">
+                  <a16:creationId xmlns:a16="http://schemas.microsoft.com/office/drawing/2014/main" id="{3746173E-AF87-4E75-876D-7BA37EEB3C3F}"/>
+                </a:ext>
+              </a:extLst>
+            </p:cNvPr>
+            <p:cNvCxnSpPr>
+              <a:cxnSpLocks/>
+            </p:cNvCxnSpPr>
+            <p:nvPr/>
+          </p:nvCxnSpPr>
+          <p:spPr>
+            <a:xfrm>
+              <a:off x="6216854" y="4598504"/>
+              <a:ext cx="346565" cy="173438"/>
+            </a:xfrm>
+            <a:prstGeom prst="bentConnector3">
+              <a:avLst>
+                <a:gd name="adj1" fmla="val 769"/>
+              </a:avLst>
+            </a:prstGeom>
+            <a:ln>
+              <a:tailEnd type="triangle"/>
+            </a:ln>
+          </p:spPr>
+          <p:style>
+            <a:lnRef idx="1">
+              <a:schemeClr val="accent1"/>
+            </a:lnRef>
+            <a:fillRef idx="0">
+              <a:schemeClr val="accent1"/>
+            </a:fillRef>
+            <a:effectRef idx="0">
+              <a:schemeClr val="accent1"/>
+            </a:effectRef>
+            <a:fontRef idx="minor">
+              <a:schemeClr val="tx1"/>
+            </a:fontRef>
+          </p:style>
+        </p:cxnSp>
+        <p:cxnSp>
+          <p:nvCxnSpPr>
+            <p:cNvPr id="9" name="Straight Connector 8">
+              <a:extLst>
+                <a:ext uri="{FF2B5EF4-FFF2-40B4-BE49-F238E27FC236}">
+                  <a16:creationId xmlns:a16="http://schemas.microsoft.com/office/drawing/2014/main" id="{51CEA11E-AF17-4870-8F8F-A89D8FF79DE6}"/>
+                </a:ext>
+              </a:extLst>
+            </p:cNvPr>
+            <p:cNvCxnSpPr>
+              <a:cxnSpLocks/>
+            </p:cNvCxnSpPr>
+            <p:nvPr/>
+          </p:nvCxnSpPr>
+          <p:spPr>
+            <a:xfrm>
+              <a:off x="6042991" y="4465982"/>
+              <a:ext cx="0" cy="424070"/>
+            </a:xfrm>
+            <a:prstGeom prst="line">
+              <a:avLst/>
+            </a:prstGeom>
+          </p:spPr>
+          <p:style>
+            <a:lnRef idx="1">
+              <a:schemeClr val="accent1"/>
+            </a:lnRef>
+            <a:fillRef idx="0">
+              <a:schemeClr val="accent1"/>
+            </a:fillRef>
+            <a:effectRef idx="0">
+              <a:schemeClr val="accent1"/>
+            </a:effectRef>
+            <a:fontRef idx="minor">
+              <a:schemeClr val="tx1"/>
+            </a:fontRef>
+          </p:style>
+        </p:cxnSp>
+        <p:cxnSp>
+          <p:nvCxnSpPr>
+            <p:cNvPr id="10" name="Straight Connector 9">
+              <a:extLst>
+                <a:ext uri="{FF2B5EF4-FFF2-40B4-BE49-F238E27FC236}">
+                  <a16:creationId xmlns:a16="http://schemas.microsoft.com/office/drawing/2014/main" id="{2761D6AB-98D8-44F8-935D-AF562E66402B}"/>
+                </a:ext>
+              </a:extLst>
+            </p:cNvPr>
+            <p:cNvCxnSpPr>
+              <a:cxnSpLocks/>
+            </p:cNvCxnSpPr>
+            <p:nvPr/>
+          </p:nvCxnSpPr>
+          <p:spPr>
+            <a:xfrm flipH="1">
+              <a:off x="6042992" y="4890052"/>
+              <a:ext cx="708856" cy="0"/>
+            </a:xfrm>
+            <a:prstGeom prst="line">
+              <a:avLst/>
+            </a:prstGeom>
+          </p:spPr>
+          <p:style>
+            <a:lnRef idx="1">
+              <a:schemeClr val="accent1"/>
+            </a:lnRef>
+            <a:fillRef idx="0">
+              <a:schemeClr val="accent1"/>
+            </a:fillRef>
+            <a:effectRef idx="0">
+              <a:schemeClr val="accent1"/>
+            </a:effectRef>
+            <a:fontRef idx="minor">
+              <a:schemeClr val="tx1"/>
+            </a:fontRef>
+          </p:style>
+        </p:cxnSp>
+        <p:cxnSp>
+          <p:nvCxnSpPr>
+            <p:cNvPr id="13" name="Straight Connector 12">
+              <a:extLst>
+                <a:ext uri="{FF2B5EF4-FFF2-40B4-BE49-F238E27FC236}">
+                  <a16:creationId xmlns:a16="http://schemas.microsoft.com/office/drawing/2014/main" id="{DC0745D5-F1B0-4F96-AF4A-62115BD5059F}"/>
+                </a:ext>
+              </a:extLst>
+            </p:cNvPr>
+            <p:cNvCxnSpPr>
+              <a:cxnSpLocks/>
+            </p:cNvCxnSpPr>
+            <p:nvPr/>
+          </p:nvCxnSpPr>
+          <p:spPr>
+            <a:xfrm flipH="1">
+              <a:off x="6042991" y="4465982"/>
+              <a:ext cx="410818" cy="0"/>
+            </a:xfrm>
+            <a:prstGeom prst="line">
+              <a:avLst/>
+            </a:prstGeom>
+          </p:spPr>
+          <p:style>
+            <a:lnRef idx="1">
+              <a:schemeClr val="accent1"/>
+            </a:lnRef>
+            <a:fillRef idx="0">
+              <a:schemeClr val="accent1"/>
+            </a:fillRef>
+            <a:effectRef idx="0">
+              <a:schemeClr val="accent1"/>
+            </a:effectRef>
+            <a:fontRef idx="minor">
+              <a:schemeClr val="tx1"/>
+            </a:fontRef>
+          </p:style>
+        </p:cxnSp>
+        <p:cxnSp>
+          <p:nvCxnSpPr>
+            <p:cNvPr id="16" name="Straight Connector 15">
+              <a:extLst>
+                <a:ext uri="{FF2B5EF4-FFF2-40B4-BE49-F238E27FC236}">
+                  <a16:creationId xmlns:a16="http://schemas.microsoft.com/office/drawing/2014/main" id="{CBD5C301-86A4-44A4-BDA0-2211DF923F1D}"/>
+                </a:ext>
+              </a:extLst>
+            </p:cNvPr>
+            <p:cNvCxnSpPr>
+              <a:cxnSpLocks/>
+            </p:cNvCxnSpPr>
+            <p:nvPr/>
+          </p:nvCxnSpPr>
+          <p:spPr>
+            <a:xfrm flipH="1">
+              <a:off x="6453809" y="4598504"/>
+              <a:ext cx="298039" cy="0"/>
+            </a:xfrm>
+            <a:prstGeom prst="line">
+              <a:avLst/>
+            </a:prstGeom>
+          </p:spPr>
+          <p:style>
+            <a:lnRef idx="1">
+              <a:schemeClr val="accent1"/>
+            </a:lnRef>
+            <a:fillRef idx="0">
+              <a:schemeClr val="accent1"/>
+            </a:fillRef>
+            <a:effectRef idx="0">
+              <a:schemeClr val="accent1"/>
+            </a:effectRef>
+            <a:fontRef idx="minor">
+              <a:schemeClr val="tx1"/>
+            </a:fontRef>
+          </p:style>
+        </p:cxnSp>
+        <p:cxnSp>
+          <p:nvCxnSpPr>
+            <p:cNvPr id="17" name="Straight Connector 16">
+              <a:extLst>
+                <a:ext uri="{FF2B5EF4-FFF2-40B4-BE49-F238E27FC236}">
+                  <a16:creationId xmlns:a16="http://schemas.microsoft.com/office/drawing/2014/main" id="{E31AC3D3-8AE8-49FE-932B-2DEA339A5E7B}"/>
+                </a:ext>
+              </a:extLst>
+            </p:cNvPr>
+            <p:cNvCxnSpPr>
+              <a:cxnSpLocks/>
+            </p:cNvCxnSpPr>
+            <p:nvPr/>
+          </p:nvCxnSpPr>
+          <p:spPr>
+            <a:xfrm flipH="1" flipV="1">
+              <a:off x="6751848" y="4598504"/>
+              <a:ext cx="1" cy="291548"/>
+            </a:xfrm>
+            <a:prstGeom prst="line">
+              <a:avLst/>
+            </a:prstGeom>
+          </p:spPr>
+          <p:style>
+            <a:lnRef idx="1">
+              <a:schemeClr val="accent1"/>
+            </a:lnRef>
+            <a:fillRef idx="0">
+              <a:schemeClr val="accent1"/>
+            </a:fillRef>
+            <a:effectRef idx="0">
+              <a:schemeClr val="accent1"/>
+            </a:effectRef>
+            <a:fontRef idx="minor">
+              <a:schemeClr val="tx1"/>
+            </a:fontRef>
+          </p:style>
+        </p:cxnSp>
+        <p:cxnSp>
+          <p:nvCxnSpPr>
+            <p:cNvPr id="23" name="Straight Connector 22">
+              <a:extLst>
+                <a:ext uri="{FF2B5EF4-FFF2-40B4-BE49-F238E27FC236}">
+                  <a16:creationId xmlns:a16="http://schemas.microsoft.com/office/drawing/2014/main" id="{61C1BE24-0795-461C-840F-6D95CE563798}"/>
+                </a:ext>
+              </a:extLst>
+            </p:cNvPr>
+            <p:cNvCxnSpPr>
+              <a:cxnSpLocks/>
+            </p:cNvCxnSpPr>
+            <p:nvPr/>
+          </p:nvCxnSpPr>
+          <p:spPr>
+            <a:xfrm>
+              <a:off x="6453809" y="4465982"/>
+              <a:ext cx="0" cy="132522"/>
+            </a:xfrm>
+            <a:prstGeom prst="line">
+              <a:avLst/>
+            </a:prstGeom>
+          </p:spPr>
+          <p:style>
+            <a:lnRef idx="1">
+              <a:schemeClr val="accent1"/>
+            </a:lnRef>
+            <a:fillRef idx="0">
+              <a:schemeClr val="accent1"/>
+            </a:fillRef>
+            <a:effectRef idx="0">
+              <a:schemeClr val="accent1"/>
+            </a:effectRef>
+            <a:fontRef idx="minor">
+              <a:schemeClr val="tx1"/>
+            </a:fontRef>
+          </p:style>
+        </p:cxnSp>
+      </p:grpSp>
+    </p:spTree>
+    <p:extLst>
+      <p:ext uri="{BB962C8B-B14F-4D97-AF65-F5344CB8AC3E}">
+        <p14:creationId xmlns:p14="http://schemas.microsoft.com/office/powerpoint/2010/main" val="284773458"/>
+      </p:ext>
+    </p:extLst>
+  </p:cSld>
+  <p:clrMapOvr>
+    <a:masterClrMapping/>
+  </p:clrMapOvr>
+</p:sld>
+</file>
+
+<file path=ppt/slides/slide7.xml><?xml version="1.0" encoding="utf-8"?>
+<p:sld xmlns:a="http://schemas.openxmlformats.org/drawingml/2006/main" xmlns:r="http://schemas.openxmlformats.org/officeDocument/2006/relationships" xmlns:p="http://schemas.openxmlformats.org/presentationml/2006/main">
+  <p:cSld>
+    <p:spTree>
+      <p:nvGrpSpPr>
+        <p:cNvPr id="1" name=""/>
+        <p:cNvGrpSpPr/>
+        <p:nvPr/>
+      </p:nvGrpSpPr>
+      <p:grpSpPr>
+        <a:xfrm>
+          <a:off x="0" y="0"/>
+          <a:ext cx="0" cy="0"/>
+          <a:chOff x="0" y="0"/>
+          <a:chExt cx="0" cy="0"/>
+        </a:xfrm>
+      </p:grpSpPr>
+      <p:sp>
+        <p:nvSpPr>
+          <p:cNvPr id="2" name="Title 1">
+            <a:extLst>
+              <a:ext uri="{FF2B5EF4-FFF2-40B4-BE49-F238E27FC236}">
                 <a16:creationId xmlns:a16="http://schemas.microsoft.com/office/drawing/2014/main" id="{ABB8A8E1-548E-43CA-B8C0-453A7FC1AEDA}"/>
               </a:ext>
             </a:extLst>
@@ -38141,7 +38701,7 @@
             <a:fld id="{F6728BC2-ACA3-447C-A909-F3F49211C066}" type="slidenum">
               <a:rPr lang="en-US" smtClean="0"/>
               <a:pPr/>
-              <a:t>5</a:t>
+              <a:t>6</a:t>
             </a:fld>
             <a:endParaRPr lang="en-US" dirty="0"/>
           </a:p>
@@ -38150,7 +38710,7 @@
     </p:spTree>
     <p:extLst>
       <p:ext uri="{BB962C8B-B14F-4D97-AF65-F5344CB8AC3E}">
-        <p14:creationId xmlns:p14="http://schemas.microsoft.com/office/powerpoint/2010/main" val="2521081229"/>
+        <p14:creationId xmlns:p14="http://schemas.microsoft.com/office/powerpoint/2010/main" val="3251330490"/>
       </p:ext>
     </p:extLst>
   </p:cSld>
@@ -38160,7 +38720,7 @@
 </p:sld>
 </file>
 
-<file path=ppt/slides/slide7.xml><?xml version="1.0" encoding="utf-8"?>
+<file path=ppt/slides/slide8.xml><?xml version="1.0" encoding="utf-8"?>
 <p:sld xmlns:a="http://schemas.openxmlformats.org/drawingml/2006/main" xmlns:r="http://schemas.openxmlformats.org/officeDocument/2006/relationships" xmlns:p="http://schemas.openxmlformats.org/presentationml/2006/main">
   <p:cSld>
     <p:spTree>
@@ -38226,7 +38786,7 @@
             <a:fld id="{F6728BC2-ACA3-447C-A909-F3F49211C066}" type="slidenum">
               <a:rPr lang="en-US" smtClean="0"/>
               <a:pPr/>
-              <a:t>6</a:t>
+              <a:t>7</a:t>
             </a:fld>
             <a:endParaRPr lang="en-US" dirty="0"/>
           </a:p>
